--- a/Realtime web applications.pptx
+++ b/Realtime web applications.pptx
@@ -111,6 +111,11 @@
       </a:defRPr>
     </a:lvl9pPr>
   </p:defaultTextStyle>
+  <p:extLst>
+    <p:ext uri="{EFAFB233-063F-42B5-8137-9DF3F51BA10A}">
+      <p15:sldGuideLst xmlns:p15="http://schemas.microsoft.com/office/powerpoint/2012/main"/>
+    </p:ext>
+  </p:extLst>
 </p:presentation>
 </file>
 
@@ -3899,7 +3904,106 @@
           <a:bodyPr/>
           <a:lstStyle/>
           <a:p>
-            <a:endParaRPr lang="en-US"/>
+            <a:pPr marL="514350" indent="-514350">
+              <a:buFont typeface="+mj-lt"/>
+              <a:buAutoNum type="arabicPeriod"/>
+            </a:pPr>
+            <a:r>
+              <a:rPr lang="en-US" dirty="0"/>
+              <a:t>To start the server, use "</a:t>
+            </a:r>
+            <a:r>
+              <a:rPr lang="en-US" dirty="0" err="1"/>
+              <a:t>npm</a:t>
+            </a:r>
+            <a:r>
+              <a:rPr lang="en-US" dirty="0"/>
+              <a:t> run </a:t>
+            </a:r>
+            <a:r>
+              <a:rPr lang="en-US" dirty="0" err="1"/>
+              <a:t>serverStart</a:t>
+            </a:r>
+            <a:r>
+              <a:rPr lang="en-US" dirty="0"/>
+              <a:t>" in the server folder (</a:t>
+            </a:r>
+            <a:r>
+              <a:rPr lang="en-US" dirty="0" err="1"/>
+              <a:t>cmd</a:t>
+            </a:r>
+            <a:r>
+              <a:rPr lang="en-US" dirty="0"/>
+              <a:t>, </a:t>
+            </a:r>
+            <a:r>
+              <a:rPr lang="en-US" dirty="0" err="1"/>
+              <a:t>VSCode</a:t>
+            </a:r>
+            <a:r>
+              <a:rPr lang="en-US" dirty="0"/>
+              <a:t> terminal or </a:t>
+            </a:r>
+            <a:r>
+              <a:rPr lang="en-US" dirty="0" err="1"/>
+              <a:t>powershell</a:t>
+            </a:r>
+            <a:r>
+              <a:rPr lang="en-US" dirty="0"/>
+              <a:t>)</a:t>
+            </a:r>
+          </a:p>
+          <a:p>
+            <a:pPr marL="514350" indent="-514350">
+              <a:buFont typeface="+mj-lt"/>
+              <a:buAutoNum type="arabicPeriod"/>
+            </a:pPr>
+            <a:r>
+              <a:rPr lang="en-US" dirty="0"/>
+              <a:t>To start client use "</a:t>
+            </a:r>
+            <a:r>
+              <a:rPr lang="en-US" dirty="0" err="1"/>
+              <a:t>npm</a:t>
+            </a:r>
+            <a:r>
+              <a:rPr lang="en-US" dirty="0"/>
+              <a:t> start" in client folder (</a:t>
+            </a:r>
+            <a:r>
+              <a:rPr lang="en-US" dirty="0" err="1"/>
+              <a:t>cmd</a:t>
+            </a:r>
+            <a:r>
+              <a:rPr lang="en-US" dirty="0"/>
+              <a:t>, </a:t>
+            </a:r>
+            <a:r>
+              <a:rPr lang="en-US" dirty="0" err="1"/>
+              <a:t>VSCode</a:t>
+            </a:r>
+            <a:r>
+              <a:rPr lang="en-US" dirty="0"/>
+              <a:t> terminal or </a:t>
+            </a:r>
+            <a:r>
+              <a:rPr lang="en-US" dirty="0" err="1"/>
+              <a:t>powershell</a:t>
+            </a:r>
+            <a:r>
+              <a:rPr lang="en-US" dirty="0"/>
+              <a:t>)</a:t>
+            </a:r>
+          </a:p>
+          <a:p>
+            <a:pPr marL="514350" indent="-514350">
+              <a:buFont typeface="+mj-lt"/>
+              <a:buAutoNum type="arabicPeriod"/>
+            </a:pPr>
+            <a:r>
+              <a:rPr lang="en-US" dirty="0"/>
+              <a:t>Open localhost:3000 in browser</a:t>
+            </a:r>
           </a:p>
         </p:txBody>
       </p:sp>
@@ -3982,7 +4086,35 @@
           <a:bodyPr/>
           <a:lstStyle/>
           <a:p>
-            <a:endParaRPr lang="en-US"/>
+            <a:r>
+              <a:rPr lang="en-US" dirty="0"/>
+              <a:t>Mongoose</a:t>
+            </a:r>
+          </a:p>
+          <a:p>
+            <a:r>
+              <a:rPr lang="en-US" dirty="0"/>
+              <a:t>Socket.io</a:t>
+            </a:r>
+          </a:p>
+          <a:p>
+            <a:pPr lvl="1"/>
+            <a:r>
+              <a:rPr lang="en-US" dirty="0"/>
+              <a:t>react-router-dom@5</a:t>
+            </a:r>
+          </a:p>
+          <a:p>
+            <a:pPr lvl="2"/>
+            <a:r>
+              <a:rPr lang="en-US" dirty="0"/>
+              <a:t>Still called switches and Redirect and it seemed to work better than never versions, as setting it up in the same way with the new names broke </a:t>
+            </a:r>
+            <a:r>
+              <a:rPr lang="en-US"/>
+              <a:t>the website</a:t>
+            </a:r>
+            <a:endParaRPr lang="en-US" dirty="0"/>
           </a:p>
         </p:txBody>
       </p:sp>
@@ -4065,7 +4197,34 @@
           <a:bodyPr/>
           <a:lstStyle/>
           <a:p>
-            <a:endParaRPr lang="en-US"/>
+            <a:r>
+              <a:rPr lang="en-US" dirty="0"/>
+              <a:t>Mainly used is</a:t>
+            </a:r>
+          </a:p>
+          <a:p>
+            <a:pPr lvl="1"/>
+            <a:r>
+              <a:rPr lang="en-US" dirty="0" err="1"/>
+              <a:t>useCallback</a:t>
+            </a:r>
+            <a:endParaRPr lang="en-US" dirty="0"/>
+          </a:p>
+          <a:p>
+            <a:pPr lvl="1"/>
+            <a:r>
+              <a:rPr lang="en-US" dirty="0" err="1"/>
+              <a:t>useEffeck</a:t>
+            </a:r>
+            <a:endParaRPr lang="en-US" dirty="0"/>
+          </a:p>
+          <a:p>
+            <a:pPr lvl="1"/>
+            <a:r>
+              <a:rPr lang="en-US" dirty="0" err="1"/>
+              <a:t>useState</a:t>
+            </a:r>
+            <a:endParaRPr lang="en-US" dirty="0"/>
           </a:p>
         </p:txBody>
       </p:sp>

--- a/Realtime web applications.pptx
+++ b/Realtime web applications.pptx
@@ -4098,6 +4098,12 @@
             </a:r>
           </a:p>
           <a:p>
+            <a:r>
+              <a:rPr lang="en-US" dirty="0"/>
+              <a:t>http</a:t>
+            </a:r>
+          </a:p>
+          <a:p>
             <a:pPr lvl="1"/>
             <a:r>
               <a:rPr lang="en-US" dirty="0"/>
@@ -4108,13 +4114,8 @@
             <a:pPr lvl="2"/>
             <a:r>
               <a:rPr lang="en-US" dirty="0"/>
-              <a:t>Still called switches and Redirect and it seemed to work better than never versions, as setting it up in the same way with the new names broke </a:t>
-            </a:r>
-            <a:r>
-              <a:rPr lang="en-US"/>
-              <a:t>the website</a:t>
-            </a:r>
-            <a:endParaRPr lang="en-US" dirty="0"/>
+              <a:t>Still called switches and Redirect and it seemed to work better than never versions, as setting it up in the same way with the new names broke the website</a:t>
+            </a:r>
           </a:p>
         </p:txBody>
       </p:sp>

--- a/Realtime web applications.pptx
+++ b/Realtime web applications.pptx
@@ -275,7 +275,7 @@
             <a:fld id="{11A6662E-FAF4-44BC-88B5-85A7CBFB6D30}" type="datetime1">
               <a:rPr lang="en-US" smtClean="0"/>
               <a:pPr/>
-              <a:t>11-May-23</a:t>
+              <a:t>12-May-23</a:t>
             </a:fld>
             <a:endParaRPr lang="en-US"/>
           </a:p>
@@ -486,7 +486,7 @@
           <a:p>
             <a:fld id="{4C559632-1575-4E14-B53B-3DC3D5ED3947}" type="datetime1">
               <a:rPr lang="en-US" smtClean="0"/>
-              <a:t>11-May-23</a:t>
+              <a:t>12-May-23</a:t>
             </a:fld>
             <a:endParaRPr lang="en-US"/>
           </a:p>
@@ -694,7 +694,7 @@
           <a:p>
             <a:fld id="{CC4A6868-2568-4CC9-B302-F37117B01A6E}" type="datetime1">
               <a:rPr lang="en-US" smtClean="0"/>
-              <a:t>11-May-23</a:t>
+              <a:t>12-May-23</a:t>
             </a:fld>
             <a:endParaRPr lang="en-US"/>
           </a:p>
@@ -897,7 +897,7 @@
           <a:p>
             <a:fld id="{0055F08A-1E71-4B2B-BB49-E743F2903911}" type="datetime1">
               <a:rPr lang="en-US" smtClean="0"/>
-              <a:t>11-May-23</a:t>
+              <a:t>12-May-23</a:t>
             </a:fld>
             <a:endParaRPr lang="en-US" dirty="0"/>
           </a:p>
@@ -1171,7 +1171,7 @@
           <a:p>
             <a:fld id="{15417D9E-721A-44BB-8863-9873FE64DA75}" type="datetime1">
               <a:rPr lang="en-US" smtClean="0"/>
-              <a:t>11-May-23</a:t>
+              <a:t>12-May-23</a:t>
             </a:fld>
             <a:endParaRPr lang="en-US"/>
           </a:p>
@@ -1441,7 +1441,7 @@
           <a:p>
             <a:fld id="{5F31DA2F-80B8-49CF-99FB-5ABCA53A607A}" type="datetime1">
               <a:rPr lang="en-US" smtClean="0"/>
-              <a:t>11-May-23</a:t>
+              <a:t>12-May-23</a:t>
             </a:fld>
             <a:endParaRPr lang="en-US"/>
           </a:p>
@@ -1854,7 +1854,7 @@
           <a:p>
             <a:fld id="{28852172-E6C9-4B6C-929A-A9DE3837BBF1}" type="datetime1">
               <a:rPr lang="en-US" smtClean="0"/>
-              <a:t>11-May-23</a:t>
+              <a:t>12-May-23</a:t>
             </a:fld>
             <a:endParaRPr lang="en-US"/>
           </a:p>
@@ -2000,7 +2000,7 @@
           <a:p>
             <a:fld id="{3AB41CFF-90C9-47B3-9DA1-F2BF8D839F7E}" type="datetime1">
               <a:rPr lang="en-US" smtClean="0"/>
-              <a:t>11-May-23</a:t>
+              <a:t>12-May-23</a:t>
             </a:fld>
             <a:endParaRPr lang="en-US"/>
           </a:p>
@@ -2113,7 +2113,7 @@
           <a:p>
             <a:fld id="{F06048FA-06AB-4884-A69B-986B96E68A24}" type="datetime1">
               <a:rPr lang="en-US" smtClean="0"/>
-              <a:t>11-May-23</a:t>
+              <a:t>12-May-23</a:t>
             </a:fld>
             <a:endParaRPr lang="en-US"/>
           </a:p>
@@ -2424,7 +2424,7 @@
           <a:p>
             <a:fld id="{50DB7ABA-0172-4F9C-889D-567164F66BCD}" type="datetime1">
               <a:rPr lang="en-US" smtClean="0"/>
-              <a:t>11-May-23</a:t>
+              <a:t>12-May-23</a:t>
             </a:fld>
             <a:endParaRPr lang="en-US"/>
           </a:p>
@@ -2715,7 +2715,7 @@
           <a:p>
             <a:fld id="{78AC6A5B-8AE7-4A41-B5A7-9ADC6686DC18}" type="datetime1">
               <a:rPr lang="en-US" smtClean="0"/>
-              <a:t>11-May-23</a:t>
+              <a:t>12-May-23</a:t>
             </a:fld>
             <a:endParaRPr lang="en-US"/>
           </a:p>
@@ -3061,7 +3061,7 @@
             <a:fld id="{57E0CF6C-748E-4B7A-BC8B-3011EF78ED13}" type="datetime1">
               <a:rPr lang="en-US" smtClean="0"/>
               <a:pPr/>
-              <a:t>11-May-23</a:t>
+              <a:t>12-May-23</a:t>
             </a:fld>
             <a:endParaRPr lang="en-US" dirty="0"/>
           </a:p>
@@ -4083,7 +4083,9 @@
         </p:nvSpPr>
         <p:spPr/>
         <p:txBody>
-          <a:bodyPr/>
+          <a:bodyPr>
+            <a:normAutofit lnSpcReduction="10000"/>
+          </a:bodyPr>
           <a:lstStyle/>
           <a:p>
             <a:r>
@@ -4092,6 +4094,13 @@
             </a:r>
           </a:p>
           <a:p>
+            <a:pPr lvl="1"/>
+            <a:r>
+              <a:rPr lang="en-US" dirty="0"/>
+              <a:t>Is the way we connected to the MongoDB, we could have installed a pure MongoDB module but have worked with mongoose before, and it still connects to a MongoDB</a:t>
+            </a:r>
+          </a:p>
+          <a:p>
             <a:r>
               <a:rPr lang="en-US" dirty="0"/>
               <a:t>Socket.io</a:t>
@@ -4104,7 +4113,6 @@
             </a:r>
           </a:p>
           <a:p>
-            <a:pPr lvl="1"/>
             <a:r>
               <a:rPr lang="en-US" dirty="0"/>
               <a:t>react-router-dom@5</a:t>
@@ -4114,7 +4122,7 @@
             <a:pPr lvl="2"/>
             <a:r>
               <a:rPr lang="en-US" dirty="0"/>
-              <a:t>Still called switches and Redirect and it seemed to work better than never versions, as setting it up in the same way with the new names broke the website</a:t>
+              <a:t>Version 5 seemed to work better with switches and redirections instead of routes and navigation in version 6 and above.</a:t>
             </a:r>
           </a:p>
         </p:txBody>

--- a/Realtime web applications.pptx
+++ b/Realtime web applications.pptx
@@ -275,7 +275,7 @@
             <a:fld id="{11A6662E-FAF4-44BC-88B5-85A7CBFB6D30}" type="datetime1">
               <a:rPr lang="en-US" smtClean="0"/>
               <a:pPr/>
-              <a:t>12-May-23</a:t>
+              <a:t>13-May-23</a:t>
             </a:fld>
             <a:endParaRPr lang="en-US"/>
           </a:p>
@@ -486,7 +486,7 @@
           <a:p>
             <a:fld id="{4C559632-1575-4E14-B53B-3DC3D5ED3947}" type="datetime1">
               <a:rPr lang="en-US" smtClean="0"/>
-              <a:t>12-May-23</a:t>
+              <a:t>13-May-23</a:t>
             </a:fld>
             <a:endParaRPr lang="en-US"/>
           </a:p>
@@ -694,7 +694,7 @@
           <a:p>
             <a:fld id="{CC4A6868-2568-4CC9-B302-F37117B01A6E}" type="datetime1">
               <a:rPr lang="en-US" smtClean="0"/>
-              <a:t>12-May-23</a:t>
+              <a:t>13-May-23</a:t>
             </a:fld>
             <a:endParaRPr lang="en-US"/>
           </a:p>
@@ -897,7 +897,7 @@
           <a:p>
             <a:fld id="{0055F08A-1E71-4B2B-BB49-E743F2903911}" type="datetime1">
               <a:rPr lang="en-US" smtClean="0"/>
-              <a:t>12-May-23</a:t>
+              <a:t>13-May-23</a:t>
             </a:fld>
             <a:endParaRPr lang="en-US" dirty="0"/>
           </a:p>
@@ -1171,7 +1171,7 @@
           <a:p>
             <a:fld id="{15417D9E-721A-44BB-8863-9873FE64DA75}" type="datetime1">
               <a:rPr lang="en-US" smtClean="0"/>
-              <a:t>12-May-23</a:t>
+              <a:t>13-May-23</a:t>
             </a:fld>
             <a:endParaRPr lang="en-US"/>
           </a:p>
@@ -1441,7 +1441,7 @@
           <a:p>
             <a:fld id="{5F31DA2F-80B8-49CF-99FB-5ABCA53A607A}" type="datetime1">
               <a:rPr lang="en-US" smtClean="0"/>
-              <a:t>12-May-23</a:t>
+              <a:t>13-May-23</a:t>
             </a:fld>
             <a:endParaRPr lang="en-US"/>
           </a:p>
@@ -1854,7 +1854,7 @@
           <a:p>
             <a:fld id="{28852172-E6C9-4B6C-929A-A9DE3837BBF1}" type="datetime1">
               <a:rPr lang="en-US" smtClean="0"/>
-              <a:t>12-May-23</a:t>
+              <a:t>13-May-23</a:t>
             </a:fld>
             <a:endParaRPr lang="en-US"/>
           </a:p>
@@ -2000,7 +2000,7 @@
           <a:p>
             <a:fld id="{3AB41CFF-90C9-47B3-9DA1-F2BF8D839F7E}" type="datetime1">
               <a:rPr lang="en-US" smtClean="0"/>
-              <a:t>12-May-23</a:t>
+              <a:t>13-May-23</a:t>
             </a:fld>
             <a:endParaRPr lang="en-US"/>
           </a:p>
@@ -2113,7 +2113,7 @@
           <a:p>
             <a:fld id="{F06048FA-06AB-4884-A69B-986B96E68A24}" type="datetime1">
               <a:rPr lang="en-US" smtClean="0"/>
-              <a:t>12-May-23</a:t>
+              <a:t>13-May-23</a:t>
             </a:fld>
             <a:endParaRPr lang="en-US"/>
           </a:p>
@@ -2424,7 +2424,7 @@
           <a:p>
             <a:fld id="{50DB7ABA-0172-4F9C-889D-567164F66BCD}" type="datetime1">
               <a:rPr lang="en-US" smtClean="0"/>
-              <a:t>12-May-23</a:t>
+              <a:t>13-May-23</a:t>
             </a:fld>
             <a:endParaRPr lang="en-US"/>
           </a:p>
@@ -2715,7 +2715,7 @@
           <a:p>
             <a:fld id="{78AC6A5B-8AE7-4A41-B5A7-9ADC6686DC18}" type="datetime1">
               <a:rPr lang="en-US" smtClean="0"/>
-              <a:t>12-May-23</a:t>
+              <a:t>13-May-23</a:t>
             </a:fld>
             <a:endParaRPr lang="en-US"/>
           </a:p>
@@ -3061,7 +3061,7 @@
             <a:fld id="{57E0CF6C-748E-4B7A-BC8B-3011EF78ED13}" type="datetime1">
               <a:rPr lang="en-US" smtClean="0"/>
               <a:pPr/>
-              <a:t>12-May-23</a:t>
+              <a:t>13-May-23</a:t>
             </a:fld>
             <a:endParaRPr lang="en-US" dirty="0"/>
           </a:p>
@@ -4220,6 +4220,13 @@
             <a:endParaRPr lang="en-US" dirty="0"/>
           </a:p>
           <a:p>
+            <a:pPr lvl="2"/>
+            <a:r>
+              <a:rPr lang="en-US" dirty="0"/>
+              <a:t>only runs when one if its dependencies update.</a:t>
+            </a:r>
+          </a:p>
+          <a:p>
             <a:pPr lvl="1"/>
             <a:r>
               <a:rPr lang="en-US" dirty="0" err="1"/>
@@ -4228,12 +4235,26 @@
             <a:endParaRPr lang="en-US" dirty="0"/>
           </a:p>
           <a:p>
+            <a:pPr lvl="2"/>
+            <a:r>
+              <a:rPr lang="en-US" dirty="0"/>
+              <a:t>Let react know the components inside needs to do something, after rendering.</a:t>
+            </a:r>
+          </a:p>
+          <a:p>
             <a:pPr lvl="1"/>
             <a:r>
               <a:rPr lang="en-US" dirty="0" err="1"/>
               <a:t>useState</a:t>
             </a:r>
             <a:endParaRPr lang="en-US" dirty="0"/>
+          </a:p>
+          <a:p>
+            <a:pPr lvl="2"/>
+            <a:r>
+              <a:rPr lang="en-US" dirty="0"/>
+              <a:t>Used to declare state variables. Letting them be preserved after a function exits</a:t>
+            </a:r>
           </a:p>
         </p:txBody>
       </p:sp>

--- a/Realtime web applications.pptx
+++ b/Realtime web applications.pptx
@@ -275,7 +275,7 @@
             <a:fld id="{11A6662E-FAF4-44BC-88B5-85A7CBFB6D30}" type="datetime1">
               <a:rPr lang="en-US" smtClean="0"/>
               <a:pPr/>
-              <a:t>13-May-23</a:t>
+              <a:t>14-May-23</a:t>
             </a:fld>
             <a:endParaRPr lang="en-US"/>
           </a:p>
@@ -486,7 +486,7 @@
           <a:p>
             <a:fld id="{4C559632-1575-4E14-B53B-3DC3D5ED3947}" type="datetime1">
               <a:rPr lang="en-US" smtClean="0"/>
-              <a:t>13-May-23</a:t>
+              <a:t>14-May-23</a:t>
             </a:fld>
             <a:endParaRPr lang="en-US"/>
           </a:p>
@@ -694,7 +694,7 @@
           <a:p>
             <a:fld id="{CC4A6868-2568-4CC9-B302-F37117B01A6E}" type="datetime1">
               <a:rPr lang="en-US" smtClean="0"/>
-              <a:t>13-May-23</a:t>
+              <a:t>14-May-23</a:t>
             </a:fld>
             <a:endParaRPr lang="en-US"/>
           </a:p>
@@ -897,7 +897,7 @@
           <a:p>
             <a:fld id="{0055F08A-1E71-4B2B-BB49-E743F2903911}" type="datetime1">
               <a:rPr lang="en-US" smtClean="0"/>
-              <a:t>13-May-23</a:t>
+              <a:t>14-May-23</a:t>
             </a:fld>
             <a:endParaRPr lang="en-US" dirty="0"/>
           </a:p>
@@ -1171,7 +1171,7 @@
           <a:p>
             <a:fld id="{15417D9E-721A-44BB-8863-9873FE64DA75}" type="datetime1">
               <a:rPr lang="en-US" smtClean="0"/>
-              <a:t>13-May-23</a:t>
+              <a:t>14-May-23</a:t>
             </a:fld>
             <a:endParaRPr lang="en-US"/>
           </a:p>
@@ -1441,7 +1441,7 @@
           <a:p>
             <a:fld id="{5F31DA2F-80B8-49CF-99FB-5ABCA53A607A}" type="datetime1">
               <a:rPr lang="en-US" smtClean="0"/>
-              <a:t>13-May-23</a:t>
+              <a:t>14-May-23</a:t>
             </a:fld>
             <a:endParaRPr lang="en-US"/>
           </a:p>
@@ -1854,7 +1854,7 @@
           <a:p>
             <a:fld id="{28852172-E6C9-4B6C-929A-A9DE3837BBF1}" type="datetime1">
               <a:rPr lang="en-US" smtClean="0"/>
-              <a:t>13-May-23</a:t>
+              <a:t>14-May-23</a:t>
             </a:fld>
             <a:endParaRPr lang="en-US"/>
           </a:p>
@@ -2000,7 +2000,7 @@
           <a:p>
             <a:fld id="{3AB41CFF-90C9-47B3-9DA1-F2BF8D839F7E}" type="datetime1">
               <a:rPr lang="en-US" smtClean="0"/>
-              <a:t>13-May-23</a:t>
+              <a:t>14-May-23</a:t>
             </a:fld>
             <a:endParaRPr lang="en-US"/>
           </a:p>
@@ -2113,7 +2113,7 @@
           <a:p>
             <a:fld id="{F06048FA-06AB-4884-A69B-986B96E68A24}" type="datetime1">
               <a:rPr lang="en-US" smtClean="0"/>
-              <a:t>13-May-23</a:t>
+              <a:t>14-May-23</a:t>
             </a:fld>
             <a:endParaRPr lang="en-US"/>
           </a:p>
@@ -2424,7 +2424,7 @@
           <a:p>
             <a:fld id="{50DB7ABA-0172-4F9C-889D-567164F66BCD}" type="datetime1">
               <a:rPr lang="en-US" smtClean="0"/>
-              <a:t>13-May-23</a:t>
+              <a:t>14-May-23</a:t>
             </a:fld>
             <a:endParaRPr lang="en-US"/>
           </a:p>
@@ -2715,7 +2715,7 @@
           <a:p>
             <a:fld id="{78AC6A5B-8AE7-4A41-B5A7-9ADC6686DC18}" type="datetime1">
               <a:rPr lang="en-US" smtClean="0"/>
-              <a:t>13-May-23</a:t>
+              <a:t>14-May-23</a:t>
             </a:fld>
             <a:endParaRPr lang="en-US"/>
           </a:p>
@@ -3061,7 +3061,7 @@
             <a:fld id="{57E0CF6C-748E-4B7A-BC8B-3011EF78ED13}" type="datetime1">
               <a:rPr lang="en-US" smtClean="0"/>
               <a:pPr/>
-              <a:t>13-May-23</a:t>
+              <a:t>14-May-23</a:t>
             </a:fld>
             <a:endParaRPr lang="en-US" dirty="0"/>
           </a:p>
@@ -4084,7 +4084,7 @@
         <p:spPr/>
         <p:txBody>
           <a:bodyPr>
-            <a:normAutofit lnSpcReduction="10000"/>
+            <a:normAutofit fontScale="85000" lnSpcReduction="20000"/>
           </a:bodyPr>
           <a:lstStyle/>
           <a:p>
@@ -4122,7 +4122,28 @@
             <a:pPr lvl="2"/>
             <a:r>
               <a:rPr lang="en-US" dirty="0"/>
-              <a:t>Version 5 seemed to work better with switches and redirections instead of routes and navigation in version 6 and above.</a:t>
+              <a:t>Version 5 seemed to work better with switches and redirections instead of routes and navigation in version 6 and above</a:t>
+            </a:r>
+          </a:p>
+          <a:p>
+            <a:r>
+              <a:rPr lang="en-US" dirty="0"/>
+              <a:t>UUID</a:t>
+            </a:r>
+          </a:p>
+          <a:p>
+            <a:pPr lvl="1"/>
+            <a:r>
+              <a:rPr lang="en-US" dirty="0"/>
+              <a:t>To create Universal Unique </a:t>
+            </a:r>
+            <a:r>
+              <a:rPr lang="en-US" dirty="0" err="1"/>
+              <a:t>IDentifiers</a:t>
+            </a:r>
+            <a:r>
+              <a:rPr lang="en-US" dirty="0"/>
+              <a:t> for the separate documents</a:t>
             </a:r>
           </a:p>
         </p:txBody>
@@ -4337,7 +4358,16 @@
           <a:bodyPr/>
           <a:lstStyle/>
           <a:p>
-            <a:endParaRPr lang="en-US"/>
+            <a:r>
+              <a:rPr lang="en-US" dirty="0"/>
+              <a:t>MongoDB is used because it’s a non-relational database and since we don’t need to have our data set in the tabular schema of rows and columns, and it’s faster than a relational database.</a:t>
+            </a:r>
+          </a:p>
+          <a:p>
+            <a:pPr marL="0" indent="0">
+              <a:buNone/>
+            </a:pPr>
+            <a:endParaRPr lang="en-US" dirty="0"/>
           </a:p>
         </p:txBody>
       </p:sp>
@@ -4420,7 +4450,20 @@
           <a:bodyPr/>
           <a:lstStyle/>
           <a:p>
-            <a:endParaRPr lang="en-US"/>
+            <a:r>
+              <a:rPr lang="en-US" dirty="0"/>
+              <a:t>We have used git to collaborate, together with communicating what each person would do at what times.</a:t>
+            </a:r>
+            <a:br>
+              <a:rPr lang="en-US" dirty="0"/>
+            </a:br>
+            <a:endParaRPr lang="en-US" dirty="0"/>
+          </a:p>
+          <a:p>
+            <a:r>
+              <a:rPr lang="en-US" dirty="0"/>
+              <a:t>We have mostly worked on the project while being sat at separate locations, due to time management and therefor opted out of physical meetings about this project, simply due to other projects requiring us to work on it at the exact same time, and this project did not</a:t>
+            </a:r>
           </a:p>
         </p:txBody>
       </p:sp>

--- a/Realtime web applications.pptx
+++ b/Realtime web applications.pptx
@@ -4084,7 +4084,7 @@
         <p:spPr/>
         <p:txBody>
           <a:bodyPr>
-            <a:normAutofit fontScale="85000" lnSpcReduction="20000"/>
+            <a:normAutofit fontScale="77500" lnSpcReduction="20000"/>
           </a:bodyPr>
           <a:lstStyle/>
           <a:p>
@@ -4107,10 +4107,29 @@
             </a:r>
           </a:p>
           <a:p>
+            <a:pPr lvl="1"/>
+            <a:r>
+              <a:rPr lang="en-US" dirty="0"/>
+              <a:t>Used to send data</a:t>
+            </a:r>
+          </a:p>
+          <a:p>
             <a:r>
               <a:rPr lang="en-US" dirty="0"/>
               <a:t>http</a:t>
             </a:r>
+          </a:p>
+          <a:p>
+            <a:pPr lvl="1"/>
+            <a:r>
+              <a:rPr lang="en-US" dirty="0"/>
+              <a:t>Create HTTP server listening to specific  port and responds </a:t>
+            </a:r>
+            <a:r>
+              <a:rPr lang="en-US"/>
+              <a:t>to client</a:t>
+            </a:r>
+            <a:endParaRPr lang="en-US" dirty="0"/>
           </a:p>
           <a:p>
             <a:r>

--- a/Realtime web applications.pptx
+++ b/Realtime web applications.pptx
@@ -12,7 +12,6 @@
     <p:sldId id="260" r:id="rId6"/>
     <p:sldId id="261" r:id="rId7"/>
     <p:sldId id="262" r:id="rId8"/>
-    <p:sldId id="263" r:id="rId9"/>
   </p:sldIdLst>
   <p:sldSz cx="12192000" cy="6858000"/>
   <p:notesSz cx="6858000" cy="9144000"/>
@@ -4546,116 +4545,427 @@
       </p:sp>
       <p:sp>
         <p:nvSpPr>
-          <p:cNvPr id="3" name="Content Placeholder 2">
-            <a:extLst>
-              <a:ext uri="{FF2B5EF4-FFF2-40B4-BE49-F238E27FC236}">
-                <a16:creationId xmlns:a16="http://schemas.microsoft.com/office/drawing/2014/main" id="{E9C93ABC-6248-01A9-CED1-35D4FA4B3227}"/>
-              </a:ext>
-            </a:extLst>
-          </p:cNvPr>
-          <p:cNvSpPr>
-            <a:spLocks noGrp="1"/>
-          </p:cNvSpPr>
-          <p:nvPr>
-            <p:ph idx="1"/>
-          </p:nvPr>
-        </p:nvSpPr>
-        <p:spPr/>
-        <p:txBody>
-          <a:bodyPr/>
-          <a:lstStyle/>
-          <a:p>
-            <a:endParaRPr lang="en-US"/>
-          </a:p>
-        </p:txBody>
-      </p:sp>
+          <p:cNvPr id="4" name="Rectangle 3">
+            <a:extLst>
+              <a:ext uri="{FF2B5EF4-FFF2-40B4-BE49-F238E27FC236}">
+                <a16:creationId xmlns:a16="http://schemas.microsoft.com/office/drawing/2014/main" id="{DCB0BEEB-E6B5-2763-0A86-B2E2C0EFD1C1}"/>
+              </a:ext>
+            </a:extLst>
+          </p:cNvPr>
+          <p:cNvSpPr/>
+          <p:nvPr/>
+        </p:nvSpPr>
+        <p:spPr>
+          <a:xfrm>
+            <a:off x="7786007" y="1518558"/>
+            <a:ext cx="1714500" cy="906236"/>
+          </a:xfrm>
+          <a:prstGeom prst="rect">
+            <a:avLst/>
+          </a:prstGeom>
+        </p:spPr>
+        <p:style>
+          <a:lnRef idx="2">
+            <a:schemeClr val="dk1">
+              <a:shade val="50000"/>
+            </a:schemeClr>
+          </a:lnRef>
+          <a:fillRef idx="1">
+            <a:schemeClr val="dk1"/>
+          </a:fillRef>
+          <a:effectRef idx="0">
+            <a:schemeClr val="dk1"/>
+          </a:effectRef>
+          <a:fontRef idx="minor">
+            <a:schemeClr val="lt1"/>
+          </a:fontRef>
+        </p:style>
+        <p:txBody>
+          <a:bodyPr rtlCol="0" anchor="ctr"/>
+          <a:lstStyle/>
+          <a:p>
+            <a:pPr algn="ctr"/>
+            <a:r>
+              <a:rPr lang="en-US" dirty="0"/>
+              <a:t>Index</a:t>
+            </a:r>
+          </a:p>
+        </p:txBody>
+      </p:sp>
+      <p:sp>
+        <p:nvSpPr>
+          <p:cNvPr id="5" name="Rectangle 4">
+            <a:extLst>
+              <a:ext uri="{FF2B5EF4-FFF2-40B4-BE49-F238E27FC236}">
+                <a16:creationId xmlns:a16="http://schemas.microsoft.com/office/drawing/2014/main" id="{E86AFF84-5B14-5C86-4851-217AFE62AA8E}"/>
+              </a:ext>
+            </a:extLst>
+          </p:cNvPr>
+          <p:cNvSpPr/>
+          <p:nvPr/>
+        </p:nvSpPr>
+        <p:spPr>
+          <a:xfrm>
+            <a:off x="5238750" y="1518558"/>
+            <a:ext cx="1714500" cy="906236"/>
+          </a:xfrm>
+          <a:prstGeom prst="rect">
+            <a:avLst/>
+          </a:prstGeom>
+        </p:spPr>
+        <p:style>
+          <a:lnRef idx="2">
+            <a:schemeClr val="dk1">
+              <a:shade val="50000"/>
+            </a:schemeClr>
+          </a:lnRef>
+          <a:fillRef idx="1">
+            <a:schemeClr val="dk1"/>
+          </a:fillRef>
+          <a:effectRef idx="0">
+            <a:schemeClr val="dk1"/>
+          </a:effectRef>
+          <a:fontRef idx="minor">
+            <a:schemeClr val="lt1"/>
+          </a:fontRef>
+        </p:style>
+        <p:txBody>
+          <a:bodyPr rtlCol="0" anchor="ctr"/>
+          <a:lstStyle/>
+          <a:p>
+            <a:pPr algn="ctr"/>
+            <a:r>
+              <a:rPr lang="en-US" dirty="0"/>
+              <a:t>App</a:t>
+            </a:r>
+          </a:p>
+        </p:txBody>
+      </p:sp>
+      <p:sp>
+        <p:nvSpPr>
+          <p:cNvPr id="6" name="Rectangle 5">
+            <a:extLst>
+              <a:ext uri="{FF2B5EF4-FFF2-40B4-BE49-F238E27FC236}">
+                <a16:creationId xmlns:a16="http://schemas.microsoft.com/office/drawing/2014/main" id="{11408107-22A0-1D7C-B3F4-9F8268F05D98}"/>
+              </a:ext>
+            </a:extLst>
+          </p:cNvPr>
+          <p:cNvSpPr/>
+          <p:nvPr/>
+        </p:nvSpPr>
+        <p:spPr>
+          <a:xfrm>
+            <a:off x="5238750" y="2867300"/>
+            <a:ext cx="1714500" cy="906236"/>
+          </a:xfrm>
+          <a:prstGeom prst="rect">
+            <a:avLst/>
+          </a:prstGeom>
+        </p:spPr>
+        <p:style>
+          <a:lnRef idx="2">
+            <a:schemeClr val="dk1">
+              <a:shade val="50000"/>
+            </a:schemeClr>
+          </a:lnRef>
+          <a:fillRef idx="1">
+            <a:schemeClr val="dk1"/>
+          </a:fillRef>
+          <a:effectRef idx="0">
+            <a:schemeClr val="dk1"/>
+          </a:effectRef>
+          <a:fontRef idx="minor">
+            <a:schemeClr val="lt1"/>
+          </a:fontRef>
+        </p:style>
+        <p:txBody>
+          <a:bodyPr rtlCol="0" anchor="ctr"/>
+          <a:lstStyle/>
+          <a:p>
+            <a:pPr algn="ctr"/>
+            <a:r>
+              <a:rPr lang="en-US" dirty="0" err="1"/>
+              <a:t>TextEditor</a:t>
+            </a:r>
+            <a:endParaRPr lang="en-US" dirty="0"/>
+          </a:p>
+        </p:txBody>
+      </p:sp>
+      <p:sp>
+        <p:nvSpPr>
+          <p:cNvPr id="7" name="Rectangle 6">
+            <a:extLst>
+              <a:ext uri="{FF2B5EF4-FFF2-40B4-BE49-F238E27FC236}">
+                <a16:creationId xmlns:a16="http://schemas.microsoft.com/office/drawing/2014/main" id="{6F3E8C83-F4E2-A461-001B-DBD80E6730D6}"/>
+              </a:ext>
+            </a:extLst>
+          </p:cNvPr>
+          <p:cNvSpPr/>
+          <p:nvPr/>
+        </p:nvSpPr>
+        <p:spPr>
+          <a:xfrm>
+            <a:off x="5238750" y="4216042"/>
+            <a:ext cx="1714500" cy="906236"/>
+          </a:xfrm>
+          <a:prstGeom prst="rect">
+            <a:avLst/>
+          </a:prstGeom>
+        </p:spPr>
+        <p:style>
+          <a:lnRef idx="2">
+            <a:schemeClr val="dk1">
+              <a:shade val="50000"/>
+            </a:schemeClr>
+          </a:lnRef>
+          <a:fillRef idx="1">
+            <a:schemeClr val="dk1"/>
+          </a:fillRef>
+          <a:effectRef idx="0">
+            <a:schemeClr val="dk1"/>
+          </a:effectRef>
+          <a:fontRef idx="minor">
+            <a:schemeClr val="lt1"/>
+          </a:fontRef>
+        </p:style>
+        <p:txBody>
+          <a:bodyPr rtlCol="0" anchor="ctr"/>
+          <a:lstStyle/>
+          <a:p>
+            <a:pPr algn="ctr"/>
+            <a:r>
+              <a:rPr lang="en-US" dirty="0"/>
+              <a:t>Server</a:t>
+            </a:r>
+          </a:p>
+        </p:txBody>
+      </p:sp>
+      <p:sp>
+        <p:nvSpPr>
+          <p:cNvPr id="8" name="Rectangle 7">
+            <a:extLst>
+              <a:ext uri="{FF2B5EF4-FFF2-40B4-BE49-F238E27FC236}">
+                <a16:creationId xmlns:a16="http://schemas.microsoft.com/office/drawing/2014/main" id="{5A5AD553-052D-98EA-463C-D824C93F6C4B}"/>
+              </a:ext>
+            </a:extLst>
+          </p:cNvPr>
+          <p:cNvSpPr/>
+          <p:nvPr/>
+        </p:nvSpPr>
+        <p:spPr>
+          <a:xfrm>
+            <a:off x="5238750" y="5564784"/>
+            <a:ext cx="1714500" cy="906236"/>
+          </a:xfrm>
+          <a:prstGeom prst="rect">
+            <a:avLst/>
+          </a:prstGeom>
+        </p:spPr>
+        <p:style>
+          <a:lnRef idx="2">
+            <a:schemeClr val="dk1">
+              <a:shade val="50000"/>
+            </a:schemeClr>
+          </a:lnRef>
+          <a:fillRef idx="1">
+            <a:schemeClr val="dk1"/>
+          </a:fillRef>
+          <a:effectRef idx="0">
+            <a:schemeClr val="dk1"/>
+          </a:effectRef>
+          <a:fontRef idx="minor">
+            <a:schemeClr val="lt1"/>
+          </a:fontRef>
+        </p:style>
+        <p:txBody>
+          <a:bodyPr rtlCol="0" anchor="ctr"/>
+          <a:lstStyle/>
+          <a:p>
+            <a:pPr algn="ctr"/>
+            <a:r>
+              <a:rPr lang="en-US" dirty="0"/>
+              <a:t>document</a:t>
+            </a:r>
+          </a:p>
+        </p:txBody>
+      </p:sp>
+      <p:cxnSp>
+        <p:nvCxnSpPr>
+          <p:cNvPr id="10" name="Straight Arrow Connector 9">
+            <a:extLst>
+              <a:ext uri="{FF2B5EF4-FFF2-40B4-BE49-F238E27FC236}">
+                <a16:creationId xmlns:a16="http://schemas.microsoft.com/office/drawing/2014/main" id="{21938DBE-41B9-1460-6966-4F673818EE3A}"/>
+              </a:ext>
+            </a:extLst>
+          </p:cNvPr>
+          <p:cNvCxnSpPr>
+            <a:cxnSpLocks/>
+            <a:stCxn id="5" idx="3"/>
+            <a:endCxn id="4" idx="1"/>
+          </p:cNvCxnSpPr>
+          <p:nvPr/>
+        </p:nvCxnSpPr>
+        <p:spPr>
+          <a:xfrm>
+            <a:off x="6953250" y="1971676"/>
+            <a:ext cx="832757" cy="0"/>
+          </a:xfrm>
+          <a:prstGeom prst="straightConnector1">
+            <a:avLst/>
+          </a:prstGeom>
+          <a:ln>
+            <a:tailEnd type="triangle"/>
+          </a:ln>
+        </p:spPr>
+        <p:style>
+          <a:lnRef idx="2">
+            <a:schemeClr val="accent3"/>
+          </a:lnRef>
+          <a:fillRef idx="0">
+            <a:schemeClr val="accent3"/>
+          </a:fillRef>
+          <a:effectRef idx="1">
+            <a:schemeClr val="accent3"/>
+          </a:effectRef>
+          <a:fontRef idx="minor">
+            <a:schemeClr val="tx1"/>
+          </a:fontRef>
+        </p:style>
+      </p:cxnSp>
+      <p:cxnSp>
+        <p:nvCxnSpPr>
+          <p:cNvPr id="23" name="Straight Arrow Connector 22">
+            <a:extLst>
+              <a:ext uri="{FF2B5EF4-FFF2-40B4-BE49-F238E27FC236}">
+                <a16:creationId xmlns:a16="http://schemas.microsoft.com/office/drawing/2014/main" id="{D772DA74-68BE-A1A1-1BD0-4E49BE351978}"/>
+              </a:ext>
+            </a:extLst>
+          </p:cNvPr>
+          <p:cNvCxnSpPr>
+            <a:stCxn id="6" idx="2"/>
+            <a:endCxn id="7" idx="0"/>
+          </p:cNvCxnSpPr>
+          <p:nvPr/>
+        </p:nvCxnSpPr>
+        <p:spPr>
+          <a:xfrm>
+            <a:off x="6096000" y="3773536"/>
+            <a:ext cx="0" cy="442506"/>
+          </a:xfrm>
+          <a:prstGeom prst="straightConnector1">
+            <a:avLst/>
+          </a:prstGeom>
+          <a:ln>
+            <a:headEnd type="triangle"/>
+            <a:tailEnd type="triangle"/>
+          </a:ln>
+        </p:spPr>
+        <p:style>
+          <a:lnRef idx="2">
+            <a:schemeClr val="accent3"/>
+          </a:lnRef>
+          <a:fillRef idx="0">
+            <a:schemeClr val="accent3"/>
+          </a:fillRef>
+          <a:effectRef idx="1">
+            <a:schemeClr val="accent3"/>
+          </a:effectRef>
+          <a:fontRef idx="minor">
+            <a:schemeClr val="tx1"/>
+          </a:fontRef>
+        </p:style>
+      </p:cxnSp>
+      <p:cxnSp>
+        <p:nvCxnSpPr>
+          <p:cNvPr id="24" name="Straight Arrow Connector 23">
+            <a:extLst>
+              <a:ext uri="{FF2B5EF4-FFF2-40B4-BE49-F238E27FC236}">
+                <a16:creationId xmlns:a16="http://schemas.microsoft.com/office/drawing/2014/main" id="{F7E72F64-270B-70DD-FA1C-0421BF354D93}"/>
+              </a:ext>
+            </a:extLst>
+          </p:cNvPr>
+          <p:cNvCxnSpPr>
+            <a:cxnSpLocks/>
+            <a:endCxn id="8" idx="0"/>
+          </p:cNvCxnSpPr>
+          <p:nvPr/>
+        </p:nvCxnSpPr>
+        <p:spPr>
+          <a:xfrm>
+            <a:off x="6096000" y="5122278"/>
+            <a:ext cx="0" cy="442506"/>
+          </a:xfrm>
+          <a:prstGeom prst="straightConnector1">
+            <a:avLst/>
+          </a:prstGeom>
+          <a:ln>
+            <a:headEnd type="triangle"/>
+            <a:tailEnd type="triangle"/>
+          </a:ln>
+        </p:spPr>
+        <p:style>
+          <a:lnRef idx="2">
+            <a:schemeClr val="accent3"/>
+          </a:lnRef>
+          <a:fillRef idx="0">
+            <a:schemeClr val="accent3"/>
+          </a:fillRef>
+          <a:effectRef idx="1">
+            <a:schemeClr val="accent3"/>
+          </a:effectRef>
+          <a:fontRef idx="minor">
+            <a:schemeClr val="tx1"/>
+          </a:fontRef>
+        </p:style>
+      </p:cxnSp>
+      <p:cxnSp>
+        <p:nvCxnSpPr>
+          <p:cNvPr id="27" name="Straight Arrow Connector 26">
+            <a:extLst>
+              <a:ext uri="{FF2B5EF4-FFF2-40B4-BE49-F238E27FC236}">
+                <a16:creationId xmlns:a16="http://schemas.microsoft.com/office/drawing/2014/main" id="{023BAE7E-C7B2-36D9-762D-8E84214921AD}"/>
+              </a:ext>
+            </a:extLst>
+          </p:cNvPr>
+          <p:cNvCxnSpPr>
+            <a:cxnSpLocks/>
+            <a:stCxn id="5" idx="2"/>
+            <a:endCxn id="6" idx="0"/>
+          </p:cNvCxnSpPr>
+          <p:nvPr/>
+        </p:nvCxnSpPr>
+        <p:spPr>
+          <a:xfrm>
+            <a:off x="6096000" y="2424794"/>
+            <a:ext cx="0" cy="442506"/>
+          </a:xfrm>
+          <a:prstGeom prst="straightConnector1">
+            <a:avLst/>
+          </a:prstGeom>
+          <a:ln>
+            <a:headEnd type="triangle"/>
+            <a:tailEnd type="triangle"/>
+          </a:ln>
+        </p:spPr>
+        <p:style>
+          <a:lnRef idx="2">
+            <a:schemeClr val="accent3"/>
+          </a:lnRef>
+          <a:fillRef idx="0">
+            <a:schemeClr val="accent3"/>
+          </a:fillRef>
+          <a:effectRef idx="1">
+            <a:schemeClr val="accent3"/>
+          </a:effectRef>
+          <a:fontRef idx="minor">
+            <a:schemeClr val="tx1"/>
+          </a:fontRef>
+        </p:style>
+      </p:cxnSp>
     </p:spTree>
     <p:extLst>
       <p:ext uri="{BB962C8B-B14F-4D97-AF65-F5344CB8AC3E}">
         <p14:creationId xmlns:p14="http://schemas.microsoft.com/office/powerpoint/2010/main" val="1086539498"/>
-      </p:ext>
-    </p:extLst>
-  </p:cSld>
-  <p:clrMapOvr>
-    <a:masterClrMapping/>
-  </p:clrMapOvr>
-</p:sld>
-</file>
-
-<file path=ppt/slides/slide8.xml><?xml version="1.0" encoding="utf-8"?>
-<p:sld xmlns:a="http://schemas.openxmlformats.org/drawingml/2006/main" xmlns:r="http://schemas.openxmlformats.org/officeDocument/2006/relationships" xmlns:p="http://schemas.openxmlformats.org/presentationml/2006/main">
-  <p:cSld>
-    <p:spTree>
-      <p:nvGrpSpPr>
-        <p:cNvPr id="1" name=""/>
-        <p:cNvGrpSpPr/>
-        <p:nvPr/>
-      </p:nvGrpSpPr>
-      <p:grpSpPr>
-        <a:xfrm>
-          <a:off x="0" y="0"/>
-          <a:ext cx="0" cy="0"/>
-          <a:chOff x="0" y="0"/>
-          <a:chExt cx="0" cy="0"/>
-        </a:xfrm>
-      </p:grpSpPr>
-      <p:sp>
-        <p:nvSpPr>
-          <p:cNvPr id="2" name="Title 1">
-            <a:extLst>
-              <a:ext uri="{FF2B5EF4-FFF2-40B4-BE49-F238E27FC236}">
-                <a16:creationId xmlns:a16="http://schemas.microsoft.com/office/drawing/2014/main" id="{908A9509-EF72-2000-516C-C0CDFDA89EC3}"/>
-              </a:ext>
-            </a:extLst>
-          </p:cNvPr>
-          <p:cNvSpPr>
-            <a:spLocks noGrp="1"/>
-          </p:cNvSpPr>
-          <p:nvPr>
-            <p:ph type="title"/>
-          </p:nvPr>
-        </p:nvSpPr>
-        <p:spPr/>
-        <p:txBody>
-          <a:bodyPr/>
-          <a:lstStyle/>
-          <a:p>
-            <a:r>
-              <a:rPr lang="en-US"/>
-              <a:t>Test</a:t>
-            </a:r>
-          </a:p>
-        </p:txBody>
-      </p:sp>
-      <p:sp>
-        <p:nvSpPr>
-          <p:cNvPr id="3" name="Content Placeholder 2">
-            <a:extLst>
-              <a:ext uri="{FF2B5EF4-FFF2-40B4-BE49-F238E27FC236}">
-                <a16:creationId xmlns:a16="http://schemas.microsoft.com/office/drawing/2014/main" id="{862E4B1E-B179-3CA6-9E1A-9D73EA637281}"/>
-              </a:ext>
-            </a:extLst>
-          </p:cNvPr>
-          <p:cNvSpPr>
-            <a:spLocks noGrp="1"/>
-          </p:cNvSpPr>
-          <p:nvPr>
-            <p:ph idx="1"/>
-          </p:nvPr>
-        </p:nvSpPr>
-        <p:spPr/>
-        <p:txBody>
-          <a:bodyPr/>
-          <a:lstStyle/>
-          <a:p>
-            <a:endParaRPr lang="en-US"/>
-          </a:p>
-        </p:txBody>
-      </p:sp>
-    </p:spTree>
-    <p:extLst>
-      <p:ext uri="{BB962C8B-B14F-4D97-AF65-F5344CB8AC3E}">
-        <p14:creationId xmlns:p14="http://schemas.microsoft.com/office/powerpoint/2010/main" val="782806631"/>
       </p:ext>
     </p:extLst>
   </p:cSld>
